--- a/Linear Algebra(李宏毅,2018,Fall)/12 Subspace.pptx
+++ b/Linear Algebra(李宏毅,2018,Fall)/12 Subspace.pptx
@@ -2878,7 +2878,7 @@
           <a:p>
             <a:fld id="{1ADA6D65-EB82-41FF-A670-B905348D5F1F}" type="datetimeFigureOut">
               <a:rPr lang="zh-TW" altLang="en-US" smtClean="0"/>
-              <a:t>2018/10/17</a:t>
+              <a:t>2019/7/15</a:t>
             </a:fld>
             <a:endParaRPr lang="zh-TW" altLang="en-US"/>
           </a:p>
@@ -4838,7 +4838,7 @@
           <a:p>
             <a:fld id="{AF33F291-4267-4BC3-988A-7DC402D64F85}" type="datetimeFigureOut">
               <a:rPr lang="zh-TW" altLang="en-US" smtClean="0"/>
-              <a:t>2018/10/17</a:t>
+              <a:t>2019/7/15</a:t>
             </a:fld>
             <a:endParaRPr lang="zh-TW" altLang="en-US"/>
           </a:p>
@@ -5008,7 +5008,7 @@
           <a:p>
             <a:fld id="{AF33F291-4267-4BC3-988A-7DC402D64F85}" type="datetimeFigureOut">
               <a:rPr lang="zh-TW" altLang="en-US" smtClean="0"/>
-              <a:t>2018/10/17</a:t>
+              <a:t>2019/7/15</a:t>
             </a:fld>
             <a:endParaRPr lang="zh-TW" altLang="en-US"/>
           </a:p>
@@ -5188,7 +5188,7 @@
           <a:p>
             <a:fld id="{AF33F291-4267-4BC3-988A-7DC402D64F85}" type="datetimeFigureOut">
               <a:rPr lang="zh-TW" altLang="en-US" smtClean="0"/>
-              <a:t>2018/10/17</a:t>
+              <a:t>2019/7/15</a:t>
             </a:fld>
             <a:endParaRPr lang="zh-TW" altLang="en-US"/>
           </a:p>
@@ -5358,7 +5358,7 @@
           <a:p>
             <a:fld id="{AF33F291-4267-4BC3-988A-7DC402D64F85}" type="datetimeFigureOut">
               <a:rPr lang="zh-TW" altLang="en-US" smtClean="0"/>
-              <a:t>2018/10/17</a:t>
+              <a:t>2019/7/15</a:t>
             </a:fld>
             <a:endParaRPr lang="zh-TW" altLang="en-US"/>
           </a:p>
@@ -5602,7 +5602,7 @@
           <a:p>
             <a:fld id="{AF33F291-4267-4BC3-988A-7DC402D64F85}" type="datetimeFigureOut">
               <a:rPr lang="zh-TW" altLang="en-US" smtClean="0"/>
-              <a:t>2018/10/17</a:t>
+              <a:t>2019/7/15</a:t>
             </a:fld>
             <a:endParaRPr lang="zh-TW" altLang="en-US"/>
           </a:p>
@@ -5834,7 +5834,7 @@
           <a:p>
             <a:fld id="{AF33F291-4267-4BC3-988A-7DC402D64F85}" type="datetimeFigureOut">
               <a:rPr lang="zh-TW" altLang="en-US" smtClean="0"/>
-              <a:t>2018/10/17</a:t>
+              <a:t>2019/7/15</a:t>
             </a:fld>
             <a:endParaRPr lang="zh-TW" altLang="en-US"/>
           </a:p>
@@ -6201,7 +6201,7 @@
           <a:p>
             <a:fld id="{AF33F291-4267-4BC3-988A-7DC402D64F85}" type="datetimeFigureOut">
               <a:rPr lang="zh-TW" altLang="en-US" smtClean="0"/>
-              <a:t>2018/10/17</a:t>
+              <a:t>2019/7/15</a:t>
             </a:fld>
             <a:endParaRPr lang="zh-TW" altLang="en-US"/>
           </a:p>
@@ -6319,7 +6319,7 @@
           <a:p>
             <a:fld id="{AF33F291-4267-4BC3-988A-7DC402D64F85}" type="datetimeFigureOut">
               <a:rPr lang="zh-TW" altLang="en-US" smtClean="0"/>
-              <a:t>2018/10/17</a:t>
+              <a:t>2019/7/15</a:t>
             </a:fld>
             <a:endParaRPr lang="zh-TW" altLang="en-US"/>
           </a:p>
@@ -6414,7 +6414,7 @@
           <a:p>
             <a:fld id="{AF33F291-4267-4BC3-988A-7DC402D64F85}" type="datetimeFigureOut">
               <a:rPr lang="zh-TW" altLang="en-US" smtClean="0"/>
-              <a:t>2018/10/17</a:t>
+              <a:t>2019/7/15</a:t>
             </a:fld>
             <a:endParaRPr lang="zh-TW" altLang="en-US"/>
           </a:p>
@@ -6691,7 +6691,7 @@
           <a:p>
             <a:fld id="{AF33F291-4267-4BC3-988A-7DC402D64F85}" type="datetimeFigureOut">
               <a:rPr lang="zh-TW" altLang="en-US" smtClean="0"/>
-              <a:t>2018/10/17</a:t>
+              <a:t>2019/7/15</a:t>
             </a:fld>
             <a:endParaRPr lang="zh-TW" altLang="en-US"/>
           </a:p>
@@ -6948,7 +6948,7 @@
           <a:p>
             <a:fld id="{AF33F291-4267-4BC3-988A-7DC402D64F85}" type="datetimeFigureOut">
               <a:rPr lang="zh-TW" altLang="en-US" smtClean="0"/>
-              <a:t>2018/10/17</a:t>
+              <a:t>2019/7/15</a:t>
             </a:fld>
             <a:endParaRPr lang="zh-TW" altLang="en-US"/>
           </a:p>
@@ -7161,7 +7161,7 @@
           <a:p>
             <a:fld id="{AF33F291-4267-4BC3-988A-7DC402D64F85}" type="datetimeFigureOut">
               <a:rPr lang="zh-TW" altLang="en-US" smtClean="0"/>
-              <a:t>2018/10/17</a:t>
+              <a:t>2019/7/15</a:t>
             </a:fld>
             <a:endParaRPr lang="zh-TW" altLang="en-US"/>
           </a:p>
@@ -7720,14 +7720,14 @@
           <a:effectLst/>
           <a:extLst>
             <a:ext uri="{909E8E84-426E-40dd-AFC4-6F175D3DCCD1}">
-              <a14:hiddenFill xmlns="" xmlns:a14="http://schemas.microsoft.com/office/drawing/2010/main">
+              <a14:hiddenFill xmlns:a14="http://schemas.microsoft.com/office/drawing/2010/main" xmlns="">
                 <a:solidFill>
                   <a:schemeClr val="accent1"/>
                 </a:solidFill>
               </a14:hiddenFill>
             </a:ext>
             <a:ext uri="{91240B29-F687-4f45-9708-019B960494DF}">
-              <a14:hiddenLine xmlns="" xmlns:a14="http://schemas.microsoft.com/office/drawing/2010/main" w="9525">
+              <a14:hiddenLine xmlns:a14="http://schemas.microsoft.com/office/drawing/2010/main" xmlns="" w="9525">
                 <a:solidFill>
                   <a:schemeClr val="tx1"/>
                 </a:solidFill>
@@ -7737,7 +7737,7 @@
               </a14:hiddenLine>
             </a:ext>
             <a:ext uri="{AF507438-7753-43e0-B8FC-AC1667EBCBE1}">
-              <a14:hiddenEffects xmlns="" xmlns:a14="http://schemas.microsoft.com/office/drawing/2010/main">
+              <a14:hiddenEffects xmlns:a14="http://schemas.microsoft.com/office/drawing/2010/main" xmlns="">
                 <a:effectLst>
                   <a:outerShdw dist="35921" dir="2700000" algn="ctr" rotWithShape="0">
                     <a:schemeClr val="bg2"/>
@@ -7791,14 +7791,14 @@
           <a:effectLst/>
           <a:extLst>
             <a:ext uri="{909E8E84-426E-40dd-AFC4-6F175D3DCCD1}">
-              <a14:hiddenFill xmlns="" xmlns:a14="http://schemas.microsoft.com/office/drawing/2010/main">
+              <a14:hiddenFill xmlns:a14="http://schemas.microsoft.com/office/drawing/2010/main" xmlns="">
                 <a:solidFill>
                   <a:schemeClr val="accent1"/>
                 </a:solidFill>
               </a14:hiddenFill>
             </a:ext>
             <a:ext uri="{91240B29-F687-4f45-9708-019B960494DF}">
-              <a14:hiddenLine xmlns="" xmlns:a14="http://schemas.microsoft.com/office/drawing/2010/main" w="9525">
+              <a14:hiddenLine xmlns:a14="http://schemas.microsoft.com/office/drawing/2010/main" xmlns="" w="9525">
                 <a:solidFill>
                   <a:schemeClr val="tx1"/>
                 </a:solidFill>
@@ -7808,7 +7808,7 @@
               </a14:hiddenLine>
             </a:ext>
             <a:ext uri="{AF507438-7753-43e0-B8FC-AC1667EBCBE1}">
-              <a14:hiddenEffects xmlns="" xmlns:a14="http://schemas.microsoft.com/office/drawing/2010/main">
+              <a14:hiddenEffects xmlns:a14="http://schemas.microsoft.com/office/drawing/2010/main" xmlns="">
                 <a:effectLst>
                   <a:outerShdw dist="35921" dir="2700000" algn="ctr" rotWithShape="0">
                     <a:schemeClr val="bg2"/>
@@ -11243,7 +11243,7 @@
           <a:graphicData uri="http://schemas.openxmlformats.org/presentationml/2006/ole">
             <mc:AlternateContent xmlns:mc="http://schemas.openxmlformats.org/markup-compatibility/2006">
               <mc:Choice xmlns:v="urn:schemas-microsoft-com:vml" Requires="v">
-                <p:oleObj spid="_x0000_s9231" name="方程式" r:id="rId8" imgW="1777541" imgH="596923" progId="Equation.3">
+                <p:oleObj spid="_x0000_s9233" name="方程式" r:id="rId8" imgW="1777541" imgH="596923" progId="Equation.3">
                   <p:embed/>
                 </p:oleObj>
               </mc:Choice>
@@ -11282,7 +11282,7 @@
                       <a:noFill/>
                       <a:extLst>
                         <a:ext uri="{909E8E84-426E-40dd-AFC4-6F175D3DCCD1}">
-                          <a14:hiddenFill xmlns="" xmlns:a14="http://schemas.microsoft.com/office/drawing/2010/main">
+                          <a14:hiddenFill xmlns:a14="http://schemas.microsoft.com/office/drawing/2010/main" xmlns="">
                             <a:solidFill>
                               <a:srgbClr val="FFFFFF"/>
                             </a:solidFill>
@@ -13323,25 +13323,6 @@
               <a:rPr lang="en-US" altLang="zh-TW" dirty="0"/>
               <a:t>Examples</a:t>
             </a:r>
-            <a:endParaRPr lang="zh-TW" altLang="en-US" dirty="0"/>
-          </a:p>
-        </p:txBody>
-      </p:sp>
-      <p:sp>
-        <p:nvSpPr>
-          <p:cNvPr id="3" name="內容版面配置區 2"/>
-          <p:cNvSpPr>
-            <a:spLocks noGrp="1"/>
-          </p:cNvSpPr>
-          <p:nvPr>
-            <p:ph idx="1"/>
-          </p:nvPr>
-        </p:nvSpPr>
-        <p:spPr/>
-        <p:txBody>
-          <a:bodyPr/>
-          <a:lstStyle/>
-          <a:p>
             <a:endParaRPr lang="zh-TW" altLang="en-US" dirty="0"/>
           </a:p>
         </p:txBody>
@@ -15544,7 +15525,7 @@
           <a:graphicData uri="http://schemas.openxmlformats.org/presentationml/2006/ole">
             <mc:AlternateContent xmlns:mc="http://schemas.openxmlformats.org/markup-compatibility/2006">
               <mc:Choice xmlns:v="urn:schemas-microsoft-com:vml" Requires="v">
-                <p:oleObj spid="_x0000_s4129" name="方程式" r:id="rId3" imgW="2056987" imgH="456924" progId="Equation.3">
+                <p:oleObj spid="_x0000_s4131" name="方程式" r:id="rId3" imgW="2056987" imgH="456924" progId="Equation.3">
                   <p:embed/>
                 </p:oleObj>
               </mc:Choice>
@@ -15583,7 +15564,7 @@
                       <a:noFill/>
                       <a:extLst>
                         <a:ext uri="{909E8E84-426E-40dd-AFC4-6F175D3DCCD1}">
-                          <a14:hiddenFill xmlns="" xmlns:a14="http://schemas.microsoft.com/office/drawing/2010/main">
+                          <a14:hiddenFill xmlns:a14="http://schemas.microsoft.com/office/drawing/2010/main" xmlns="">
                             <a:solidFill>
                               <a:srgbClr val="FFFFFF"/>
                             </a:solidFill>
